--- a/EarthQ/NCU_EQ.pptx
+++ b/EarthQ/NCU_EQ.pptx
@@ -6,7 +6,7 @@
   </p:sldMasterIdLst>
   <p:sldIdLst>
     <p:sldId id="256" r:id="rId2"/>
-    <p:sldId id="257" r:id="rId3"/>
+    <p:sldId id="401" r:id="rId3"/>
     <p:sldId id="258" r:id="rId4"/>
     <p:sldId id="259" r:id="rId5"/>
     <p:sldId id="260" r:id="rId6"/>
@@ -742,6 +742,620 @@
 </p:sldLayout>
 </file>
 
+<file path=ppt/slideLayouts/slideLayout12.xml><?xml version="1.0" encoding="utf-8"?>
+<p:sldLayout xmlns:a="http://schemas.openxmlformats.org/drawingml/2006/main" xmlns:r="http://schemas.openxmlformats.org/officeDocument/2006/relationships" xmlns:p="http://schemas.openxmlformats.org/presentationml/2006/main" userDrawn="1">
+  <p:cSld name="自訂版面配置">
+    <p:spTree>
+      <p:nvGrpSpPr>
+        <p:cNvPr id="1" name=""/>
+        <p:cNvGrpSpPr/>
+        <p:nvPr/>
+      </p:nvGrpSpPr>
+      <p:grpSpPr>
+        <a:xfrm>
+          <a:off x="0" y="0"/>
+          <a:ext cx="0" cy="0"/>
+          <a:chOff x="0" y="0"/>
+          <a:chExt cx="0" cy="0"/>
+        </a:xfrm>
+      </p:grpSpPr>
+      <p:sp>
+        <p:nvSpPr>
+          <p:cNvPr id="6" name="內容版面配置區 6"/>
+          <p:cNvSpPr>
+            <a:spLocks noGrp="1"/>
+          </p:cNvSpPr>
+          <p:nvPr>
+            <p:ph sz="quarter" idx="11"/>
+          </p:nvPr>
+        </p:nvSpPr>
+        <p:spPr>
+          <a:xfrm>
+            <a:off x="1308100" y="1172754"/>
+            <a:ext cx="4368800" cy="5150545"/>
+          </a:xfrm>
+        </p:spPr>
+        <p:txBody>
+          <a:bodyPr>
+            <a:normAutofit/>
+          </a:bodyPr>
+          <a:lstStyle>
+            <a:lvl1pPr>
+              <a:defRPr sz="2000"/>
+            </a:lvl1pPr>
+            <a:lvl2pPr>
+              <a:defRPr sz="1800"/>
+            </a:lvl2pPr>
+            <a:lvl3pPr>
+              <a:defRPr sz="1600"/>
+            </a:lvl3pPr>
+            <a:lvl4pPr>
+              <a:defRPr sz="1400"/>
+            </a:lvl4pPr>
+            <a:lvl5pPr>
+              <a:defRPr sz="1400"/>
+            </a:lvl5pPr>
+          </a:lstStyle>
+          <a:p>
+            <a:pPr lvl="0"/>
+            <a:r>
+              <a:rPr lang="zh-TW" altLang="en-US" dirty="0"/>
+              <a:t>按一下以編輯母片文字樣式</a:t>
+            </a:r>
+          </a:p>
+          <a:p>
+            <a:pPr lvl="1"/>
+            <a:r>
+              <a:rPr lang="zh-TW" altLang="en-US" dirty="0"/>
+              <a:t>第二層</a:t>
+            </a:r>
+          </a:p>
+          <a:p>
+            <a:pPr lvl="2"/>
+            <a:r>
+              <a:rPr lang="zh-TW" altLang="en-US" dirty="0"/>
+              <a:t>第三層</a:t>
+            </a:r>
+          </a:p>
+          <a:p>
+            <a:pPr lvl="3"/>
+            <a:r>
+              <a:rPr lang="zh-TW" altLang="en-US" dirty="0"/>
+              <a:t>第四層</a:t>
+            </a:r>
+          </a:p>
+          <a:p>
+            <a:pPr lvl="4"/>
+            <a:r>
+              <a:rPr lang="zh-TW" altLang="en-US" dirty="0"/>
+              <a:t>第五層</a:t>
+            </a:r>
+          </a:p>
+        </p:txBody>
+      </p:sp>
+      <p:sp>
+        <p:nvSpPr>
+          <p:cNvPr id="7" name="標題 1"/>
+          <p:cNvSpPr>
+            <a:spLocks noGrp="1"/>
+          </p:cNvSpPr>
+          <p:nvPr>
+            <p:ph type="title" hasCustomPrompt="1"/>
+          </p:nvPr>
+        </p:nvSpPr>
+        <p:spPr>
+          <a:xfrm>
+            <a:off x="838200" y="225550"/>
+            <a:ext cx="10515600" cy="587375"/>
+          </a:xfrm>
+        </p:spPr>
+        <p:txBody>
+          <a:bodyPr>
+            <a:normAutofit/>
+          </a:bodyPr>
+          <a:lstStyle>
+            <a:lvl1pPr algn="ctr">
+              <a:defRPr sz="2800"/>
+            </a:lvl1pPr>
+          </a:lstStyle>
+          <a:p>
+            <a:r>
+              <a:rPr lang="zh-TW" altLang="en-US" dirty="0"/>
+              <a:t>標題</a:t>
+            </a:r>
+          </a:p>
+        </p:txBody>
+      </p:sp>
+      <p:grpSp>
+        <p:nvGrpSpPr>
+          <p:cNvPr id="8" name="群組 7"/>
+          <p:cNvGrpSpPr/>
+          <p:nvPr userDrawn="1"/>
+        </p:nvGrpSpPr>
+        <p:grpSpPr>
+          <a:xfrm>
+            <a:off x="0" y="841500"/>
+            <a:ext cx="12192000" cy="102250"/>
+            <a:chOff x="-1" y="3377550"/>
+            <a:chExt cx="7381661" cy="102899"/>
+          </a:xfrm>
+        </p:grpSpPr>
+        <p:sp>
+          <p:nvSpPr>
+            <p:cNvPr id="9" name="Shape 10"/>
+            <p:cNvSpPr/>
+            <p:nvPr/>
+          </p:nvSpPr>
+          <p:spPr>
+            <a:xfrm>
+              <a:off x="5938246" y="3377550"/>
+              <a:ext cx="721800" cy="102899"/>
+            </a:xfrm>
+            <a:prstGeom prst="rect">
+              <a:avLst/>
+            </a:prstGeom>
+            <a:solidFill>
+              <a:srgbClr val="FF9715"/>
+            </a:solidFill>
+            <a:ln>
+              <a:noFill/>
+            </a:ln>
+          </p:spPr>
+          <p:txBody>
+            <a:bodyPr lIns="91425" tIns="91425" rIns="91425" bIns="91425" anchor="ctr" anchorCtr="0">
+              <a:noAutofit/>
+            </a:bodyPr>
+            <a:lstStyle/>
+            <a:p>
+              <a:pPr lvl="0">
+                <a:spcBef>
+                  <a:spcPts val="0"/>
+                </a:spcBef>
+                <a:buNone/>
+              </a:pPr>
+              <a:endParaRPr sz="1400" dirty="0"/>
+            </a:p>
+          </p:txBody>
+        </p:sp>
+        <p:sp>
+          <p:nvSpPr>
+            <p:cNvPr id="10" name="Shape 11"/>
+            <p:cNvSpPr/>
+            <p:nvPr/>
+          </p:nvSpPr>
+          <p:spPr>
+            <a:xfrm>
+              <a:off x="6659860" y="3377550"/>
+              <a:ext cx="721800" cy="102899"/>
+            </a:xfrm>
+            <a:prstGeom prst="rect">
+              <a:avLst/>
+            </a:prstGeom>
+            <a:solidFill>
+              <a:srgbClr val="F20253"/>
+            </a:solidFill>
+            <a:ln>
+              <a:noFill/>
+            </a:ln>
+          </p:spPr>
+          <p:txBody>
+            <a:bodyPr lIns="91425" tIns="91425" rIns="91425" bIns="91425" anchor="ctr" anchorCtr="0">
+              <a:noAutofit/>
+            </a:bodyPr>
+            <a:lstStyle/>
+            <a:p>
+              <a:pPr lvl="0">
+                <a:spcBef>
+                  <a:spcPts val="0"/>
+                </a:spcBef>
+                <a:buNone/>
+              </a:pPr>
+              <a:endParaRPr sz="1400" dirty="0"/>
+            </a:p>
+          </p:txBody>
+        </p:sp>
+        <p:sp>
+          <p:nvSpPr>
+            <p:cNvPr id="11" name="Shape 12"/>
+            <p:cNvSpPr/>
+            <p:nvPr/>
+          </p:nvSpPr>
+          <p:spPr>
+            <a:xfrm>
+              <a:off x="-1" y="3377550"/>
+              <a:ext cx="721800" cy="102899"/>
+            </a:xfrm>
+            <a:prstGeom prst="rect">
+              <a:avLst/>
+            </a:prstGeom>
+            <a:solidFill>
+              <a:srgbClr val="7ECEFD"/>
+            </a:solidFill>
+            <a:ln>
+              <a:noFill/>
+            </a:ln>
+          </p:spPr>
+          <p:txBody>
+            <a:bodyPr lIns="91425" tIns="91425" rIns="91425" bIns="91425" anchor="ctr" anchorCtr="0">
+              <a:noAutofit/>
+            </a:bodyPr>
+            <a:lstStyle/>
+            <a:p>
+              <a:pPr lvl="0">
+                <a:spcBef>
+                  <a:spcPts val="0"/>
+                </a:spcBef>
+                <a:buNone/>
+              </a:pPr>
+              <a:endParaRPr sz="1400" dirty="0"/>
+            </a:p>
+          </p:txBody>
+        </p:sp>
+        <p:sp>
+          <p:nvSpPr>
+            <p:cNvPr id="12" name="Shape 13"/>
+            <p:cNvSpPr/>
+            <p:nvPr/>
+          </p:nvSpPr>
+          <p:spPr>
+            <a:xfrm>
+              <a:off x="721424" y="3377550"/>
+              <a:ext cx="5216699" cy="102899"/>
+            </a:xfrm>
+            <a:prstGeom prst="rect">
+              <a:avLst/>
+            </a:prstGeom>
+            <a:solidFill>
+              <a:srgbClr val="2185C5"/>
+            </a:solidFill>
+            <a:ln>
+              <a:noFill/>
+            </a:ln>
+          </p:spPr>
+          <p:txBody>
+            <a:bodyPr lIns="91425" tIns="91425" rIns="91425" bIns="91425" anchor="ctr" anchorCtr="0">
+              <a:noAutofit/>
+            </a:bodyPr>
+            <a:lstStyle/>
+            <a:p>
+              <a:pPr lvl="0">
+                <a:spcBef>
+                  <a:spcPts val="0"/>
+                </a:spcBef>
+                <a:buNone/>
+              </a:pPr>
+              <a:endParaRPr sz="1400" dirty="0"/>
+            </a:p>
+          </p:txBody>
+        </p:sp>
+      </p:grpSp>
+      <p:grpSp>
+        <p:nvGrpSpPr>
+          <p:cNvPr id="13" name="群組 12"/>
+          <p:cNvGrpSpPr/>
+          <p:nvPr userDrawn="1"/>
+        </p:nvGrpSpPr>
+        <p:grpSpPr>
+          <a:xfrm>
+            <a:off x="0" y="6454125"/>
+            <a:ext cx="12192000" cy="102250"/>
+            <a:chOff x="-1" y="3377550"/>
+            <a:chExt cx="7381661" cy="102899"/>
+          </a:xfrm>
+        </p:grpSpPr>
+        <p:sp>
+          <p:nvSpPr>
+            <p:cNvPr id="14" name="Shape 10"/>
+            <p:cNvSpPr/>
+            <p:nvPr/>
+          </p:nvSpPr>
+          <p:spPr>
+            <a:xfrm>
+              <a:off x="5938246" y="3377550"/>
+              <a:ext cx="721800" cy="102899"/>
+            </a:xfrm>
+            <a:prstGeom prst="rect">
+              <a:avLst/>
+            </a:prstGeom>
+            <a:solidFill>
+              <a:srgbClr val="FF9715"/>
+            </a:solidFill>
+            <a:ln>
+              <a:noFill/>
+            </a:ln>
+          </p:spPr>
+          <p:txBody>
+            <a:bodyPr lIns="91425" tIns="91425" rIns="91425" bIns="91425" anchor="ctr" anchorCtr="0">
+              <a:noAutofit/>
+            </a:bodyPr>
+            <a:lstStyle/>
+            <a:p>
+              <a:pPr lvl="0">
+                <a:spcBef>
+                  <a:spcPts val="0"/>
+                </a:spcBef>
+                <a:buNone/>
+              </a:pPr>
+              <a:endParaRPr sz="1400" dirty="0"/>
+            </a:p>
+          </p:txBody>
+        </p:sp>
+        <p:sp>
+          <p:nvSpPr>
+            <p:cNvPr id="15" name="Shape 11"/>
+            <p:cNvSpPr/>
+            <p:nvPr/>
+          </p:nvSpPr>
+          <p:spPr>
+            <a:xfrm>
+              <a:off x="6659860" y="3377550"/>
+              <a:ext cx="721800" cy="102899"/>
+            </a:xfrm>
+            <a:prstGeom prst="rect">
+              <a:avLst/>
+            </a:prstGeom>
+            <a:solidFill>
+              <a:srgbClr val="F20253"/>
+            </a:solidFill>
+            <a:ln>
+              <a:noFill/>
+            </a:ln>
+          </p:spPr>
+          <p:txBody>
+            <a:bodyPr lIns="91425" tIns="91425" rIns="91425" bIns="91425" anchor="ctr" anchorCtr="0">
+              <a:noAutofit/>
+            </a:bodyPr>
+            <a:lstStyle/>
+            <a:p>
+              <a:pPr lvl="0">
+                <a:spcBef>
+                  <a:spcPts val="0"/>
+                </a:spcBef>
+                <a:buNone/>
+              </a:pPr>
+              <a:endParaRPr sz="1400" dirty="0"/>
+            </a:p>
+          </p:txBody>
+        </p:sp>
+        <p:sp>
+          <p:nvSpPr>
+            <p:cNvPr id="16" name="Shape 12"/>
+            <p:cNvSpPr/>
+            <p:nvPr/>
+          </p:nvSpPr>
+          <p:spPr>
+            <a:xfrm>
+              <a:off x="-1" y="3377550"/>
+              <a:ext cx="721800" cy="102899"/>
+            </a:xfrm>
+            <a:prstGeom prst="rect">
+              <a:avLst/>
+            </a:prstGeom>
+            <a:solidFill>
+              <a:srgbClr val="7ECEFD"/>
+            </a:solidFill>
+            <a:ln>
+              <a:noFill/>
+            </a:ln>
+          </p:spPr>
+          <p:txBody>
+            <a:bodyPr lIns="91425" tIns="91425" rIns="91425" bIns="91425" anchor="ctr" anchorCtr="0">
+              <a:noAutofit/>
+            </a:bodyPr>
+            <a:lstStyle/>
+            <a:p>
+              <a:pPr lvl="0">
+                <a:spcBef>
+                  <a:spcPts val="0"/>
+                </a:spcBef>
+                <a:buNone/>
+              </a:pPr>
+              <a:endParaRPr sz="1400" dirty="0"/>
+            </a:p>
+          </p:txBody>
+        </p:sp>
+        <p:sp>
+          <p:nvSpPr>
+            <p:cNvPr id="17" name="Shape 13"/>
+            <p:cNvSpPr/>
+            <p:nvPr/>
+          </p:nvSpPr>
+          <p:spPr>
+            <a:xfrm>
+              <a:off x="721424" y="3377550"/>
+              <a:ext cx="5216699" cy="102899"/>
+            </a:xfrm>
+            <a:prstGeom prst="rect">
+              <a:avLst/>
+            </a:prstGeom>
+            <a:solidFill>
+              <a:srgbClr val="2185C5"/>
+            </a:solidFill>
+            <a:ln>
+              <a:noFill/>
+            </a:ln>
+          </p:spPr>
+          <p:txBody>
+            <a:bodyPr lIns="91425" tIns="91425" rIns="91425" bIns="91425" anchor="ctr" anchorCtr="0">
+              <a:noAutofit/>
+            </a:bodyPr>
+            <a:lstStyle/>
+            <a:p>
+              <a:pPr lvl="0">
+                <a:spcBef>
+                  <a:spcPts val="0"/>
+                </a:spcBef>
+                <a:buNone/>
+              </a:pPr>
+              <a:endParaRPr sz="1400" dirty="0"/>
+            </a:p>
+          </p:txBody>
+        </p:sp>
+      </p:grpSp>
+      <p:sp>
+        <p:nvSpPr>
+          <p:cNvPr id="20" name="投影片編號版面配置區 10"/>
+          <p:cNvSpPr>
+            <a:spLocks noGrp="1"/>
+          </p:cNvSpPr>
+          <p:nvPr>
+            <p:ph type="sldNum" sz="quarter" idx="18"/>
+          </p:nvPr>
+        </p:nvSpPr>
+        <p:spPr>
+          <a:xfrm>
+            <a:off x="9448800" y="6483025"/>
+            <a:ext cx="2743200" cy="365125"/>
+          </a:xfrm>
+        </p:spPr>
+        <p:txBody>
+          <a:bodyPr/>
+          <a:lstStyle>
+            <a:lvl1pPr>
+              <a:defRPr b="1">
+                <a:solidFill>
+                  <a:schemeClr val="tx1"/>
+                </a:solidFill>
+                <a:latin typeface="+mj-lt"/>
+              </a:defRPr>
+            </a:lvl1pPr>
+          </a:lstStyle>
+          <a:p>
+            <a:fld id="{9A4A7869-E407-49D5-8C91-F6FEFF183B37}" type="slidenum">
+              <a:rPr lang="zh-TW" altLang="en-US" smtClean="0"/>
+              <a:pPr/>
+              <a:t>‹#›</a:t>
+            </a:fld>
+            <a:endParaRPr lang="zh-TW" altLang="en-US" dirty="0"/>
+          </a:p>
+        </p:txBody>
+      </p:sp>
+      <p:sp>
+        <p:nvSpPr>
+          <p:cNvPr id="21" name="內容版面配置區 6"/>
+          <p:cNvSpPr>
+            <a:spLocks noGrp="1"/>
+          </p:cNvSpPr>
+          <p:nvPr>
+            <p:ph sz="quarter" idx="19"/>
+          </p:nvPr>
+        </p:nvSpPr>
+        <p:spPr>
+          <a:xfrm>
+            <a:off x="6781800" y="1172754"/>
+            <a:ext cx="4368800" cy="5150545"/>
+          </a:xfrm>
+        </p:spPr>
+        <p:txBody>
+          <a:bodyPr>
+            <a:normAutofit/>
+          </a:bodyPr>
+          <a:lstStyle>
+            <a:lvl1pPr>
+              <a:defRPr sz="2000"/>
+            </a:lvl1pPr>
+            <a:lvl2pPr>
+              <a:defRPr sz="1800"/>
+            </a:lvl2pPr>
+            <a:lvl3pPr>
+              <a:defRPr sz="1600"/>
+            </a:lvl3pPr>
+            <a:lvl4pPr>
+              <a:defRPr sz="1400"/>
+            </a:lvl4pPr>
+            <a:lvl5pPr>
+              <a:defRPr sz="1400"/>
+            </a:lvl5pPr>
+          </a:lstStyle>
+          <a:p>
+            <a:pPr lvl="0"/>
+            <a:r>
+              <a:rPr lang="zh-TW" altLang="en-US" dirty="0"/>
+              <a:t>按一下以編輯母片文字樣式</a:t>
+            </a:r>
+          </a:p>
+          <a:p>
+            <a:pPr lvl="1"/>
+            <a:r>
+              <a:rPr lang="zh-TW" altLang="en-US" dirty="0"/>
+              <a:t>第二層</a:t>
+            </a:r>
+          </a:p>
+          <a:p>
+            <a:pPr lvl="2"/>
+            <a:r>
+              <a:rPr lang="zh-TW" altLang="en-US" dirty="0"/>
+              <a:t>第三層</a:t>
+            </a:r>
+          </a:p>
+          <a:p>
+            <a:pPr lvl="3"/>
+            <a:r>
+              <a:rPr lang="zh-TW" altLang="en-US" dirty="0"/>
+              <a:t>第四層</a:t>
+            </a:r>
+          </a:p>
+          <a:p>
+            <a:pPr lvl="4"/>
+            <a:r>
+              <a:rPr lang="zh-TW" altLang="en-US" dirty="0"/>
+              <a:t>第五層</a:t>
+            </a:r>
+          </a:p>
+        </p:txBody>
+      </p:sp>
+      <p:sp>
+        <p:nvSpPr>
+          <p:cNvPr id="18" name="矩形 17"/>
+          <p:cNvSpPr/>
+          <p:nvPr userDrawn="1"/>
+        </p:nvSpPr>
+        <p:spPr>
+          <a:xfrm>
+            <a:off x="-21681" y="6581001"/>
+            <a:ext cx="1949003" cy="276999"/>
+          </a:xfrm>
+          <a:prstGeom prst="rect">
+            <a:avLst/>
+          </a:prstGeom>
+        </p:spPr>
+        <p:txBody>
+          <a:bodyPr wrap="square">
+            <a:spAutoFit/>
+          </a:bodyPr>
+          <a:lstStyle/>
+          <a:p>
+            <a:r>
+              <a:rPr lang="en-US" altLang="zh-TW" sz="1200" dirty="0">
+                <a:solidFill>
+                  <a:srgbClr val="FF0000"/>
+                </a:solidFill>
+                <a:latin typeface="+mj-lt"/>
+              </a:rPr>
+              <a:t>Proprietary and Confidential </a:t>
+            </a:r>
+            <a:endParaRPr lang="zh-TW" altLang="en-US" sz="1200" dirty="0">
+              <a:solidFill>
+                <a:srgbClr val="FF0000"/>
+              </a:solidFill>
+              <a:latin typeface="+mj-lt"/>
+            </a:endParaRPr>
+          </a:p>
+        </p:txBody>
+      </p:sp>
+    </p:spTree>
+    <p:extLst>
+      <p:ext uri="{BB962C8B-B14F-4D97-AF65-F5344CB8AC3E}">
+        <p14:creationId xmlns:p14="http://schemas.microsoft.com/office/powerpoint/2010/main" val="1039381334"/>
+      </p:ext>
+    </p:extLst>
+  </p:cSld>
+  <p:clrMapOvr>
+    <a:masterClrMapping/>
+  </p:clrMapOvr>
+</p:sldLayout>
+</file>
+
 <file path=ppt/slideLayouts/slideLayout2.xml><?xml version="1.0" encoding="utf-8"?>
 <p:sldLayout xmlns:a="http://schemas.openxmlformats.org/drawingml/2006/main" xmlns:r="http://schemas.openxmlformats.org/officeDocument/2006/relationships" xmlns:p="http://schemas.openxmlformats.org/presentationml/2006/main" type="obj" preserve="1">
   <p:cSld name="標題及內容">
@@ -3029,6 +3643,7 @@
     <p:sldLayoutId id="2147483657" r:id="rId9"/>
     <p:sldLayoutId id="2147483658" r:id="rId10"/>
     <p:sldLayoutId id="2147483659" r:id="rId11"/>
+    <p:sldLayoutId id="2147483660" r:id="rId12"/>
   </p:sldLayoutIdLst>
   <p:txStyles>
     <p:titleStyle>
@@ -3412,10 +4027,42 @@
       </p:grpSpPr>
       <p:sp>
         <p:nvSpPr>
-          <p:cNvPr id="4" name="文字方塊 3">
-            <a:extLst>
-              <a:ext uri="{FF2B5EF4-FFF2-40B4-BE49-F238E27FC236}">
-                <a16:creationId xmlns:a16="http://schemas.microsoft.com/office/drawing/2014/main" id="{9B92EF34-34E4-49F3-8514-C93107BA4A1A}"/>
+          <p:cNvPr id="3" name="標題 2">
+            <a:extLst>
+              <a:ext uri="{FF2B5EF4-FFF2-40B4-BE49-F238E27FC236}">
+                <a16:creationId xmlns:a16="http://schemas.microsoft.com/office/drawing/2014/main" id="{85A9F2C4-A97B-4455-845E-03863A7C68E2}"/>
+              </a:ext>
+            </a:extLst>
+          </p:cNvPr>
+          <p:cNvSpPr>
+            <a:spLocks noGrp="1"/>
+          </p:cNvSpPr>
+          <p:nvPr>
+            <p:ph type="title"/>
+          </p:nvPr>
+        </p:nvSpPr>
+        <p:spPr/>
+        <p:txBody>
+          <a:bodyPr/>
+          <a:lstStyle/>
+          <a:p>
+            <a:r>
+              <a:rPr lang="en-US" altLang="zh-TW" dirty="0"/>
+              <a:t>Python </a:t>
+            </a:r>
+            <a:r>
+              <a:rPr lang="zh-TW" altLang="en-US" dirty="0"/>
+              <a:t>自動存檔</a:t>
+            </a:r>
+          </a:p>
+        </p:txBody>
+      </p:sp>
+      <p:sp>
+        <p:nvSpPr>
+          <p:cNvPr id="13" name="文字方塊 12">
+            <a:extLst>
+              <a:ext uri="{FF2B5EF4-FFF2-40B4-BE49-F238E27FC236}">
+                <a16:creationId xmlns:a16="http://schemas.microsoft.com/office/drawing/2014/main" id="{8C6FA671-7871-4284-80DE-F8B3036B76FC}"/>
               </a:ext>
             </a:extLst>
           </p:cNvPr>
@@ -3424,8 +4071,8 @@
         </p:nvSpPr>
         <p:spPr>
           <a:xfrm>
-            <a:off x="159798" y="204187"/>
-            <a:ext cx="1569660" cy="369332"/>
+            <a:off x="838200" y="986117"/>
+            <a:ext cx="11210365" cy="369332"/>
           </a:xfrm>
           <a:prstGeom prst="rect">
             <a:avLst/>
@@ -3433,53 +4080,18 @@
           <a:noFill/>
         </p:spPr>
         <p:txBody>
-          <a:bodyPr wrap="none" rtlCol="0">
+          <a:bodyPr wrap="square" rtlCol="0">
             <a:spAutoFit/>
           </a:bodyPr>
           <a:lstStyle/>
           <a:p>
             <a:r>
-              <a:rPr lang="zh-TW" altLang="en-US" u="sng" dirty="0"/>
-              <a:t>自動存檔功能</a:t>
-            </a:r>
-          </a:p>
-        </p:txBody>
-      </p:sp>
-      <p:sp>
-        <p:nvSpPr>
-          <p:cNvPr id="5" name="文字方塊 4">
-            <a:extLst>
-              <a:ext uri="{FF2B5EF4-FFF2-40B4-BE49-F238E27FC236}">
-                <a16:creationId xmlns:a16="http://schemas.microsoft.com/office/drawing/2014/main" id="{67DED36C-D517-4CC8-8D0E-A3CFB18901FE}"/>
-              </a:ext>
-            </a:extLst>
-          </p:cNvPr>
-          <p:cNvSpPr txBox="1"/>
-          <p:nvPr/>
-        </p:nvSpPr>
-        <p:spPr>
-          <a:xfrm>
-            <a:off x="701336" y="1020932"/>
-            <a:ext cx="4798108" cy="369332"/>
-          </a:xfrm>
-          <a:prstGeom prst="rect">
-            <a:avLst/>
-          </a:prstGeom>
-          <a:noFill/>
-        </p:spPr>
-        <p:txBody>
-          <a:bodyPr wrap="none" rtlCol="0">
-            <a:spAutoFit/>
-          </a:bodyPr>
-          <a:lstStyle/>
-          <a:p>
+              <a:rPr lang="zh-TW" altLang="en-US" dirty="0"/>
+              <a:t>思考地震資料自動存檔，存檔形式初步規劃如下</a:t>
+            </a:r>
             <a:r>
               <a:rPr lang="en-US" altLang="zh-TW" dirty="0"/>
-              <a:t>1.</a:t>
-            </a:r>
-            <a:r>
-              <a:rPr lang="zh-TW" altLang="en-US" dirty="0"/>
-              <a:t> 每次偵測日期，當換年或換月時產生資料夾</a:t>
+              <a:t>:</a:t>
             </a:r>
           </a:p>
         </p:txBody>
@@ -3489,7 +4101,7 @@
           <p:cNvPr id="6" name="矩形: 圓角 5">
             <a:extLst>
               <a:ext uri="{FF2B5EF4-FFF2-40B4-BE49-F238E27FC236}">
-                <a16:creationId xmlns:a16="http://schemas.microsoft.com/office/drawing/2014/main" id="{B931795B-F449-4E89-8516-71F0A523B6D1}"/>
+                <a16:creationId xmlns:a16="http://schemas.microsoft.com/office/drawing/2014/main" id="{FC6C3174-A8F8-4E56-B855-CDB628AAC7F7}"/>
               </a:ext>
             </a:extLst>
           </p:cNvPr>
@@ -3498,12 +4110,21 @@
         </p:nvSpPr>
         <p:spPr>
           <a:xfrm>
-            <a:off x="4128117" y="1731146"/>
-            <a:ext cx="1020932" cy="683580"/>
+            <a:off x="6443382" y="1605449"/>
+            <a:ext cx="856259" cy="460420"/>
           </a:xfrm>
           <a:prstGeom prst="roundRect">
             <a:avLst/>
           </a:prstGeom>
+          <a:solidFill>
+            <a:schemeClr val="accent4">
+              <a:lumMod val="60000"/>
+              <a:lumOff val="40000"/>
+            </a:schemeClr>
+          </a:solidFill>
+          <a:ln>
+            <a:noFill/>
+          </a:ln>
         </p:spPr>
         <p:style>
           <a:lnRef idx="2">
@@ -3527,10 +4148,18 @@
           <a:p>
             <a:pPr algn="ctr"/>
             <a:r>
-              <a:rPr lang="en-US" altLang="zh-TW" dirty="0"/>
-              <a:t>2020</a:t>
-            </a:r>
-            <a:endParaRPr lang="zh-TW" altLang="en-US" dirty="0"/>
+              <a:rPr lang="en-US" altLang="zh-TW" dirty="0">
+                <a:solidFill>
+                  <a:schemeClr val="tx1"/>
+                </a:solidFill>
+              </a:rPr>
+              <a:t>data</a:t>
+            </a:r>
+            <a:endParaRPr lang="zh-TW" altLang="en-US" dirty="0">
+              <a:solidFill>
+                <a:schemeClr val="tx1"/>
+              </a:solidFill>
+            </a:endParaRPr>
           </a:p>
         </p:txBody>
       </p:sp>
@@ -3539,7 +4168,7 @@
           <p:cNvPr id="7" name="矩形: 圓角 6">
             <a:extLst>
               <a:ext uri="{FF2B5EF4-FFF2-40B4-BE49-F238E27FC236}">
-                <a16:creationId xmlns:a16="http://schemas.microsoft.com/office/drawing/2014/main" id="{3A9A4D00-1534-455D-970E-9C720D98547C}"/>
+                <a16:creationId xmlns:a16="http://schemas.microsoft.com/office/drawing/2014/main" id="{019B595F-4E4F-4787-9C98-C2935EEDF08C}"/>
               </a:ext>
             </a:extLst>
           </p:cNvPr>
@@ -3548,12 +4177,21 @@
         </p:nvSpPr>
         <p:spPr>
           <a:xfrm>
-            <a:off x="7042953" y="1731146"/>
-            <a:ext cx="1020932" cy="683580"/>
+            <a:off x="4699681" y="2393576"/>
+            <a:ext cx="856259" cy="460420"/>
           </a:xfrm>
           <a:prstGeom prst="roundRect">
             <a:avLst/>
           </a:prstGeom>
+          <a:solidFill>
+            <a:schemeClr val="accent4">
+              <a:lumMod val="60000"/>
+              <a:lumOff val="40000"/>
+            </a:schemeClr>
+          </a:solidFill>
+          <a:ln>
+            <a:noFill/>
+          </a:ln>
         </p:spPr>
         <p:style>
           <a:lnRef idx="2">
@@ -3577,10 +4215,18 @@
           <a:p>
             <a:pPr algn="ctr"/>
             <a:r>
-              <a:rPr lang="en-US" altLang="zh-TW" dirty="0"/>
+              <a:rPr lang="en-US" altLang="zh-TW" dirty="0">
+                <a:solidFill>
+                  <a:schemeClr val="tx1"/>
+                </a:solidFill>
+              </a:rPr>
               <a:t>2021</a:t>
             </a:r>
-            <a:endParaRPr lang="zh-TW" altLang="en-US" dirty="0"/>
+            <a:endParaRPr lang="zh-TW" altLang="en-US" dirty="0">
+              <a:solidFill>
+                <a:schemeClr val="tx1"/>
+              </a:solidFill>
+            </a:endParaRPr>
           </a:p>
         </p:txBody>
       </p:sp>
@@ -3589,7 +4235,7 @@
           <p:cNvPr id="8" name="矩形: 圓角 7">
             <a:extLst>
               <a:ext uri="{FF2B5EF4-FFF2-40B4-BE49-F238E27FC236}">
-                <a16:creationId xmlns:a16="http://schemas.microsoft.com/office/drawing/2014/main" id="{2D0E3298-198F-4EBE-8B9B-CF50EEA8D6B6}"/>
+                <a16:creationId xmlns:a16="http://schemas.microsoft.com/office/drawing/2014/main" id="{B5F40259-7A32-4242-90E8-B10321AD4229}"/>
               </a:ext>
             </a:extLst>
           </p:cNvPr>
@@ -3598,12 +4244,21 @@
         </p:nvSpPr>
         <p:spPr>
           <a:xfrm>
-            <a:off x="6096000" y="2745420"/>
-            <a:ext cx="1020932" cy="683580"/>
+            <a:off x="9215587" y="2396797"/>
+            <a:ext cx="856259" cy="460420"/>
           </a:xfrm>
           <a:prstGeom prst="roundRect">
             <a:avLst/>
           </a:prstGeom>
+          <a:solidFill>
+            <a:schemeClr val="accent4">
+              <a:lumMod val="60000"/>
+              <a:lumOff val="40000"/>
+            </a:schemeClr>
+          </a:solidFill>
+          <a:ln>
+            <a:noFill/>
+          </a:ln>
         </p:spPr>
         <p:style>
           <a:lnRef idx="2">
@@ -3627,8 +4282,87 @@
           <a:p>
             <a:pPr algn="ctr"/>
             <a:r>
+              <a:rPr lang="en-US" altLang="zh-TW" dirty="0">
+                <a:solidFill>
+                  <a:schemeClr val="tx1"/>
+                </a:solidFill>
+              </a:rPr>
+              <a:t>2022</a:t>
+            </a:r>
+            <a:endParaRPr lang="zh-TW" altLang="en-US" dirty="0">
+              <a:solidFill>
+                <a:schemeClr val="tx1"/>
+              </a:solidFill>
+            </a:endParaRPr>
+          </a:p>
+        </p:txBody>
+      </p:sp>
+      <p:sp>
+        <p:nvSpPr>
+          <p:cNvPr id="4" name="文字方塊 3">
+            <a:extLst>
+              <a:ext uri="{FF2B5EF4-FFF2-40B4-BE49-F238E27FC236}">
+                <a16:creationId xmlns:a16="http://schemas.microsoft.com/office/drawing/2014/main" id="{8BA499B3-1CAA-4A25-B49E-D3C42738F36D}"/>
+              </a:ext>
+            </a:extLst>
+          </p:cNvPr>
+          <p:cNvSpPr txBox="1"/>
+          <p:nvPr/>
+        </p:nvSpPr>
+        <p:spPr>
+          <a:xfrm>
+            <a:off x="134161" y="2700108"/>
+            <a:ext cx="2877711" cy="307777"/>
+          </a:xfrm>
+          <a:prstGeom prst="rect">
+            <a:avLst/>
+          </a:prstGeom>
+          <a:noFill/>
+        </p:spPr>
+        <p:txBody>
+          <a:bodyPr wrap="none" rtlCol="0">
+            <a:spAutoFit/>
+          </a:bodyPr>
+          <a:lstStyle/>
+          <a:p>
+            <a:r>
+              <a:rPr lang="zh-TW" altLang="en-US" sz="1400" dirty="0"/>
+              <a:t>依照目前年份自動建立年份資料夾</a:t>
+            </a:r>
+          </a:p>
+        </p:txBody>
+      </p:sp>
+      <p:sp>
+        <p:nvSpPr>
+          <p:cNvPr id="10" name="文字方塊 9">
+            <a:extLst>
+              <a:ext uri="{FF2B5EF4-FFF2-40B4-BE49-F238E27FC236}">
+                <a16:creationId xmlns:a16="http://schemas.microsoft.com/office/drawing/2014/main" id="{C30852F7-C8C0-459D-B97A-FBEF27FB96C5}"/>
+              </a:ext>
+            </a:extLst>
+          </p:cNvPr>
+          <p:cNvSpPr txBox="1"/>
+          <p:nvPr/>
+        </p:nvSpPr>
+        <p:spPr>
+          <a:xfrm>
+            <a:off x="10914530" y="2441572"/>
+            <a:ext cx="704039" cy="369332"/>
+          </a:xfrm>
+          <a:prstGeom prst="rect">
+            <a:avLst/>
+          </a:prstGeom>
+          <a:noFill/>
+        </p:spPr>
+        <p:txBody>
+          <a:bodyPr wrap="none" rtlCol="0">
+            <a:spAutoFit/>
+          </a:bodyPr>
+          <a:lstStyle/>
+          <a:p>
+            <a:r>
               <a:rPr lang="en-US" altLang="zh-TW" dirty="0"/>
-              <a:t>1</a:t>
+              <a:t>…….</a:t>
             </a:r>
             <a:endParaRPr lang="zh-TW" altLang="en-US" dirty="0"/>
           </a:p>
@@ -3636,10 +4370,10 @@
       </p:sp>
       <p:sp>
         <p:nvSpPr>
-          <p:cNvPr id="9" name="矩形: 圓角 8">
-            <a:extLst>
-              <a:ext uri="{FF2B5EF4-FFF2-40B4-BE49-F238E27FC236}">
-                <a16:creationId xmlns:a16="http://schemas.microsoft.com/office/drawing/2014/main" id="{F8F4FC79-3A93-4E19-A3F5-0EB88C7CE640}"/>
+          <p:cNvPr id="12" name="矩形: 圓角 11">
+            <a:extLst>
+              <a:ext uri="{FF2B5EF4-FFF2-40B4-BE49-F238E27FC236}">
+                <a16:creationId xmlns:a16="http://schemas.microsoft.com/office/drawing/2014/main" id="{4AB76A3D-41B2-4BEE-845F-98D03C3126C4}"/>
               </a:ext>
             </a:extLst>
           </p:cNvPr>
@@ -3648,12 +4382,21 @@
         </p:nvSpPr>
         <p:spPr>
           <a:xfrm>
-            <a:off x="7454284" y="2745420"/>
-            <a:ext cx="1020932" cy="683580"/>
+            <a:off x="3346753" y="3262966"/>
+            <a:ext cx="416002" cy="460420"/>
           </a:xfrm>
           <a:prstGeom prst="roundRect">
             <a:avLst/>
           </a:prstGeom>
+          <a:solidFill>
+            <a:schemeClr val="accent4">
+              <a:lumMod val="60000"/>
+              <a:lumOff val="40000"/>
+            </a:schemeClr>
+          </a:solidFill>
+          <a:ln>
+            <a:noFill/>
+          </a:ln>
         </p:spPr>
         <p:style>
           <a:lnRef idx="2">
@@ -3677,19 +4420,27 @@
           <a:p>
             <a:pPr algn="ctr"/>
             <a:r>
-              <a:rPr lang="en-US" altLang="zh-TW" dirty="0"/>
-              <a:t>2</a:t>
-            </a:r>
-            <a:endParaRPr lang="zh-TW" altLang="en-US" dirty="0"/>
-          </a:p>
-        </p:txBody>
-      </p:sp>
-      <p:sp>
-        <p:nvSpPr>
-          <p:cNvPr id="10" name="矩形: 圓角 9">
-            <a:extLst>
-              <a:ext uri="{FF2B5EF4-FFF2-40B4-BE49-F238E27FC236}">
-                <a16:creationId xmlns:a16="http://schemas.microsoft.com/office/drawing/2014/main" id="{5154E367-788D-4A0E-984C-8C6C110857BE}"/>
+              <a:rPr lang="en-US" altLang="zh-TW" dirty="0">
+                <a:solidFill>
+                  <a:schemeClr val="tx1"/>
+                </a:solidFill>
+              </a:rPr>
+              <a:t>8</a:t>
+            </a:r>
+            <a:endParaRPr lang="zh-TW" altLang="en-US" dirty="0">
+              <a:solidFill>
+                <a:schemeClr val="tx1"/>
+              </a:solidFill>
+            </a:endParaRPr>
+          </a:p>
+        </p:txBody>
+      </p:sp>
+      <p:sp>
+        <p:nvSpPr>
+          <p:cNvPr id="14" name="矩形: 圓角 13">
+            <a:extLst>
+              <a:ext uri="{FF2B5EF4-FFF2-40B4-BE49-F238E27FC236}">
+                <a16:creationId xmlns:a16="http://schemas.microsoft.com/office/drawing/2014/main" id="{789F81A9-F40F-4A13-B837-F56ABBBADEF8}"/>
               </a:ext>
             </a:extLst>
           </p:cNvPr>
@@ -3698,12 +4449,21 @@
         </p:nvSpPr>
         <p:spPr>
           <a:xfrm>
-            <a:off x="9478393" y="2745420"/>
-            <a:ext cx="1020932" cy="683580"/>
+            <a:off x="4837844" y="3262966"/>
+            <a:ext cx="416002" cy="460420"/>
           </a:xfrm>
           <a:prstGeom prst="roundRect">
             <a:avLst/>
           </a:prstGeom>
+          <a:solidFill>
+            <a:schemeClr val="accent4">
+              <a:lumMod val="60000"/>
+              <a:lumOff val="40000"/>
+            </a:schemeClr>
+          </a:solidFill>
+          <a:ln>
+            <a:noFill/>
+          </a:ln>
         </p:spPr>
         <p:style>
           <a:lnRef idx="2">
@@ -3727,19 +4487,94 @@
           <a:p>
             <a:pPr algn="ctr"/>
             <a:r>
-              <a:rPr lang="en-US" altLang="zh-TW" dirty="0"/>
-              <a:t>8</a:t>
-            </a:r>
-            <a:endParaRPr lang="zh-TW" altLang="en-US" dirty="0"/>
-          </a:p>
-        </p:txBody>
-      </p:sp>
-      <p:sp>
-        <p:nvSpPr>
-          <p:cNvPr id="12" name="文字方塊 11">
-            <a:extLst>
-              <a:ext uri="{FF2B5EF4-FFF2-40B4-BE49-F238E27FC236}">
-                <a16:creationId xmlns:a16="http://schemas.microsoft.com/office/drawing/2014/main" id="{7DEF7221-32CB-487E-B10C-7DC9FD5A9206}"/>
+              <a:rPr lang="en-US" altLang="zh-TW" dirty="0">
+                <a:solidFill>
+                  <a:schemeClr val="tx1"/>
+                </a:solidFill>
+              </a:rPr>
+              <a:t>9</a:t>
+            </a:r>
+            <a:endParaRPr lang="zh-TW" altLang="en-US" dirty="0">
+              <a:solidFill>
+                <a:schemeClr val="tx1"/>
+              </a:solidFill>
+            </a:endParaRPr>
+          </a:p>
+        </p:txBody>
+      </p:sp>
+      <p:sp>
+        <p:nvSpPr>
+          <p:cNvPr id="15" name="矩形: 圓角 14">
+            <a:extLst>
+              <a:ext uri="{FF2B5EF4-FFF2-40B4-BE49-F238E27FC236}">
+                <a16:creationId xmlns:a16="http://schemas.microsoft.com/office/drawing/2014/main" id="{C00B488E-F7A1-4DA0-AF30-5755B1CC59B8}"/>
+              </a:ext>
+            </a:extLst>
+          </p:cNvPr>
+          <p:cNvSpPr/>
+          <p:nvPr/>
+        </p:nvSpPr>
+        <p:spPr>
+          <a:xfrm>
+            <a:off x="6436510" y="3262966"/>
+            <a:ext cx="533733" cy="460420"/>
+          </a:xfrm>
+          <a:prstGeom prst="roundRect">
+            <a:avLst/>
+          </a:prstGeom>
+          <a:solidFill>
+            <a:schemeClr val="accent4">
+              <a:lumMod val="60000"/>
+              <a:lumOff val="40000"/>
+            </a:schemeClr>
+          </a:solidFill>
+          <a:ln>
+            <a:noFill/>
+          </a:ln>
+        </p:spPr>
+        <p:style>
+          <a:lnRef idx="2">
+            <a:schemeClr val="accent1">
+              <a:shade val="50000"/>
+            </a:schemeClr>
+          </a:lnRef>
+          <a:fillRef idx="1">
+            <a:schemeClr val="accent1"/>
+          </a:fillRef>
+          <a:effectRef idx="0">
+            <a:schemeClr val="accent1"/>
+          </a:effectRef>
+          <a:fontRef idx="minor">
+            <a:schemeClr val="lt1"/>
+          </a:fontRef>
+        </p:style>
+        <p:txBody>
+          <a:bodyPr rtlCol="0" anchor="ctr"/>
+          <a:lstStyle/>
+          <a:p>
+            <a:pPr algn="ctr"/>
+            <a:r>
+              <a:rPr lang="en-US" altLang="zh-TW" dirty="0">
+                <a:solidFill>
+                  <a:schemeClr val="tx1"/>
+                </a:solidFill>
+              </a:rPr>
+              <a:t>10</a:t>
+            </a:r>
+            <a:endParaRPr lang="zh-TW" altLang="en-US" dirty="0">
+              <a:solidFill>
+                <a:schemeClr val="tx1"/>
+              </a:solidFill>
+            </a:endParaRPr>
+          </a:p>
+        </p:txBody>
+      </p:sp>
+      <p:sp>
+        <p:nvSpPr>
+          <p:cNvPr id="16" name="文字方塊 15">
+            <a:extLst>
+              <a:ext uri="{FF2B5EF4-FFF2-40B4-BE49-F238E27FC236}">
+                <a16:creationId xmlns:a16="http://schemas.microsoft.com/office/drawing/2014/main" id="{EA42F3D7-6EE2-40D4-8B12-4BBF99BF317C}"/>
               </a:ext>
             </a:extLst>
           </p:cNvPr>
@@ -3748,8 +4583,8 @@
         </p:nvSpPr>
         <p:spPr>
           <a:xfrm>
-            <a:off x="9277165" y="3764132"/>
-            <a:ext cx="1756186" cy="369332"/>
+            <a:off x="7145055" y="3241687"/>
+            <a:ext cx="704039" cy="369332"/>
           </a:xfrm>
           <a:prstGeom prst="rect">
             <a:avLst/>
@@ -3764,7 +4599,7 @@
           <a:p>
             <a:r>
               <a:rPr lang="en-US" altLang="zh-TW" dirty="0"/>
-              <a:t>2021-08-19-1.txt</a:t>
+              <a:t>…….</a:t>
             </a:r>
             <a:endParaRPr lang="zh-TW" altLang="en-US" dirty="0"/>
           </a:p>
@@ -3772,10 +4607,10 @@
       </p:sp>
       <p:sp>
         <p:nvSpPr>
-          <p:cNvPr id="13" name="文字方塊 12">
-            <a:extLst>
-              <a:ext uri="{FF2B5EF4-FFF2-40B4-BE49-F238E27FC236}">
-                <a16:creationId xmlns:a16="http://schemas.microsoft.com/office/drawing/2014/main" id="{C7305A5A-FE17-41AC-B689-B48AC66C40E0}"/>
+          <p:cNvPr id="17" name="文字方塊 16">
+            <a:extLst>
+              <a:ext uri="{FF2B5EF4-FFF2-40B4-BE49-F238E27FC236}">
+                <a16:creationId xmlns:a16="http://schemas.microsoft.com/office/drawing/2014/main" id="{2E83B113-C058-4F92-B3A1-2DAD60646C8B}"/>
               </a:ext>
             </a:extLst>
           </p:cNvPr>
@@ -3784,8 +4619,8 @@
         </p:nvSpPr>
         <p:spPr>
           <a:xfrm>
-            <a:off x="9277165" y="4099264"/>
-            <a:ext cx="1756186" cy="369332"/>
+            <a:off x="126465" y="3339288"/>
+            <a:ext cx="2877711" cy="307777"/>
           </a:xfrm>
           <a:prstGeom prst="rect">
             <a:avLst/>
@@ -3799,19 +4634,402 @@
           <a:lstStyle/>
           <a:p>
             <a:r>
-              <a:rPr lang="en-US" altLang="zh-TW" dirty="0"/>
+              <a:rPr lang="zh-TW" altLang="en-US" sz="1400" dirty="0"/>
+              <a:t>依照目前月份自動建立月份資料夾</a:t>
+            </a:r>
+          </a:p>
+        </p:txBody>
+      </p:sp>
+      <p:sp>
+        <p:nvSpPr>
+          <p:cNvPr id="18" name="矩形: 圓角 17">
+            <a:extLst>
+              <a:ext uri="{FF2B5EF4-FFF2-40B4-BE49-F238E27FC236}">
+                <a16:creationId xmlns:a16="http://schemas.microsoft.com/office/drawing/2014/main" id="{2A7F4B2E-496C-4DA7-A1E0-3B6A0EA642F1}"/>
+              </a:ext>
+            </a:extLst>
+          </p:cNvPr>
+          <p:cNvSpPr/>
+          <p:nvPr/>
+        </p:nvSpPr>
+        <p:spPr>
+          <a:xfrm>
+            <a:off x="2393695" y="3887773"/>
+            <a:ext cx="2305986" cy="369332"/>
+          </a:xfrm>
+          <a:prstGeom prst="roundRect">
+            <a:avLst/>
+          </a:prstGeom>
+          <a:solidFill>
+            <a:schemeClr val="bg1"/>
+          </a:solidFill>
+          <a:ln>
+            <a:noFill/>
+          </a:ln>
+        </p:spPr>
+        <p:style>
+          <a:lnRef idx="2">
+            <a:schemeClr val="accent1">
+              <a:shade val="50000"/>
+            </a:schemeClr>
+          </a:lnRef>
+          <a:fillRef idx="1">
+            <a:schemeClr val="accent1"/>
+          </a:fillRef>
+          <a:effectRef idx="0">
+            <a:schemeClr val="accent1"/>
+          </a:effectRef>
+          <a:fontRef idx="minor">
+            <a:schemeClr val="lt1"/>
+          </a:fontRef>
+        </p:style>
+        <p:txBody>
+          <a:bodyPr rtlCol="0" anchor="ctr"/>
+          <a:lstStyle/>
+          <a:p>
+            <a:pPr algn="ctr"/>
+            <a:r>
+              <a:rPr lang="en-US" altLang="zh-TW" dirty="0">
+                <a:solidFill>
+                  <a:schemeClr val="tx1"/>
+                </a:solidFill>
+              </a:rPr>
+              <a:t>2021-08-19-1.txt</a:t>
+            </a:r>
+            <a:endParaRPr lang="zh-TW" altLang="en-US" dirty="0">
+              <a:solidFill>
+                <a:schemeClr val="tx1"/>
+              </a:solidFill>
+            </a:endParaRPr>
+          </a:p>
+        </p:txBody>
+      </p:sp>
+      <p:sp>
+        <p:nvSpPr>
+          <p:cNvPr id="19" name="矩形: 圓角 18">
+            <a:extLst>
+              <a:ext uri="{FF2B5EF4-FFF2-40B4-BE49-F238E27FC236}">
+                <a16:creationId xmlns:a16="http://schemas.microsoft.com/office/drawing/2014/main" id="{8EE5E3BF-A65C-43DC-AD62-3E0913744AF9}"/>
+              </a:ext>
+            </a:extLst>
+          </p:cNvPr>
+          <p:cNvSpPr/>
+          <p:nvPr/>
+        </p:nvSpPr>
+        <p:spPr>
+          <a:xfrm>
+            <a:off x="2393695" y="4201256"/>
+            <a:ext cx="2305986" cy="369332"/>
+          </a:xfrm>
+          <a:prstGeom prst="roundRect">
+            <a:avLst/>
+          </a:prstGeom>
+          <a:solidFill>
+            <a:schemeClr val="bg1"/>
+          </a:solidFill>
+          <a:ln>
+            <a:noFill/>
+          </a:ln>
+        </p:spPr>
+        <p:style>
+          <a:lnRef idx="2">
+            <a:schemeClr val="accent1">
+              <a:shade val="50000"/>
+            </a:schemeClr>
+          </a:lnRef>
+          <a:fillRef idx="1">
+            <a:schemeClr val="accent1"/>
+          </a:fillRef>
+          <a:effectRef idx="0">
+            <a:schemeClr val="accent1"/>
+          </a:effectRef>
+          <a:fontRef idx="minor">
+            <a:schemeClr val="lt1"/>
+          </a:fontRef>
+        </p:style>
+        <p:txBody>
+          <a:bodyPr rtlCol="0" anchor="ctr"/>
+          <a:lstStyle/>
+          <a:p>
+            <a:pPr algn="ctr"/>
+            <a:r>
+              <a:rPr lang="en-US" altLang="zh-TW" dirty="0">
+                <a:solidFill>
+                  <a:schemeClr val="tx1"/>
+                </a:solidFill>
+              </a:rPr>
               <a:t>2021-08-19-2.txt</a:t>
             </a:r>
-            <a:endParaRPr lang="zh-TW" altLang="en-US" dirty="0"/>
-          </a:p>
-        </p:txBody>
-      </p:sp>
-      <p:sp>
-        <p:nvSpPr>
-          <p:cNvPr id="14" name="文字方塊 13">
-            <a:extLst>
-              <a:ext uri="{FF2B5EF4-FFF2-40B4-BE49-F238E27FC236}">
-                <a16:creationId xmlns:a16="http://schemas.microsoft.com/office/drawing/2014/main" id="{FCCC87C0-2636-4F77-B927-90683C5FD2B8}"/>
+            <a:endParaRPr lang="zh-TW" altLang="en-US" dirty="0">
+              <a:solidFill>
+                <a:schemeClr val="tx1"/>
+              </a:solidFill>
+            </a:endParaRPr>
+          </a:p>
+        </p:txBody>
+      </p:sp>
+      <p:sp>
+        <p:nvSpPr>
+          <p:cNvPr id="20" name="矩形: 圓角 19">
+            <a:extLst>
+              <a:ext uri="{FF2B5EF4-FFF2-40B4-BE49-F238E27FC236}">
+                <a16:creationId xmlns:a16="http://schemas.microsoft.com/office/drawing/2014/main" id="{705CC3C5-47E6-4724-85BD-9B219E5C6833}"/>
+              </a:ext>
+            </a:extLst>
+          </p:cNvPr>
+          <p:cNvSpPr/>
+          <p:nvPr/>
+        </p:nvSpPr>
+        <p:spPr>
+          <a:xfrm>
+            <a:off x="2393695" y="4514739"/>
+            <a:ext cx="2305986" cy="369332"/>
+          </a:xfrm>
+          <a:prstGeom prst="roundRect">
+            <a:avLst/>
+          </a:prstGeom>
+          <a:solidFill>
+            <a:schemeClr val="bg1"/>
+          </a:solidFill>
+          <a:ln>
+            <a:noFill/>
+          </a:ln>
+        </p:spPr>
+        <p:style>
+          <a:lnRef idx="2">
+            <a:schemeClr val="accent1">
+              <a:shade val="50000"/>
+            </a:schemeClr>
+          </a:lnRef>
+          <a:fillRef idx="1">
+            <a:schemeClr val="accent1"/>
+          </a:fillRef>
+          <a:effectRef idx="0">
+            <a:schemeClr val="accent1"/>
+          </a:effectRef>
+          <a:fontRef idx="minor">
+            <a:schemeClr val="lt1"/>
+          </a:fontRef>
+        </p:style>
+        <p:txBody>
+          <a:bodyPr rtlCol="0" anchor="ctr"/>
+          <a:lstStyle/>
+          <a:p>
+            <a:pPr algn="ctr"/>
+            <a:r>
+              <a:rPr lang="en-US" altLang="zh-TW" dirty="0">
+                <a:solidFill>
+                  <a:schemeClr val="tx1"/>
+                </a:solidFill>
+              </a:rPr>
+              <a:t>2021-08-19-3.txt</a:t>
+            </a:r>
+            <a:endParaRPr lang="zh-TW" altLang="en-US" dirty="0">
+              <a:solidFill>
+                <a:schemeClr val="tx1"/>
+              </a:solidFill>
+            </a:endParaRPr>
+          </a:p>
+        </p:txBody>
+      </p:sp>
+      <p:sp>
+        <p:nvSpPr>
+          <p:cNvPr id="21" name="矩形: 圓角 20">
+            <a:extLst>
+              <a:ext uri="{FF2B5EF4-FFF2-40B4-BE49-F238E27FC236}">
+                <a16:creationId xmlns:a16="http://schemas.microsoft.com/office/drawing/2014/main" id="{19823C07-0F9E-48EC-B823-A68DEBC37B0C}"/>
+              </a:ext>
+            </a:extLst>
+          </p:cNvPr>
+          <p:cNvSpPr/>
+          <p:nvPr/>
+        </p:nvSpPr>
+        <p:spPr>
+          <a:xfrm>
+            <a:off x="2393695" y="5045655"/>
+            <a:ext cx="2305986" cy="369332"/>
+          </a:xfrm>
+          <a:prstGeom prst="roundRect">
+            <a:avLst/>
+          </a:prstGeom>
+          <a:solidFill>
+            <a:schemeClr val="bg1"/>
+          </a:solidFill>
+          <a:ln>
+            <a:noFill/>
+          </a:ln>
+        </p:spPr>
+        <p:style>
+          <a:lnRef idx="2">
+            <a:schemeClr val="accent1">
+              <a:shade val="50000"/>
+            </a:schemeClr>
+          </a:lnRef>
+          <a:fillRef idx="1">
+            <a:schemeClr val="accent1"/>
+          </a:fillRef>
+          <a:effectRef idx="0">
+            <a:schemeClr val="accent1"/>
+          </a:effectRef>
+          <a:fontRef idx="minor">
+            <a:schemeClr val="lt1"/>
+          </a:fontRef>
+        </p:style>
+        <p:txBody>
+          <a:bodyPr rtlCol="0" anchor="ctr"/>
+          <a:lstStyle/>
+          <a:p>
+            <a:pPr algn="ctr"/>
+            <a:r>
+              <a:rPr lang="en-US" altLang="zh-TW" dirty="0">
+                <a:solidFill>
+                  <a:schemeClr val="tx1"/>
+                </a:solidFill>
+              </a:rPr>
+              <a:t>2021-08-19-8.txt</a:t>
+            </a:r>
+            <a:endParaRPr lang="zh-TW" altLang="en-US" dirty="0">
+              <a:solidFill>
+                <a:schemeClr val="tx1"/>
+              </a:solidFill>
+            </a:endParaRPr>
+          </a:p>
+        </p:txBody>
+      </p:sp>
+      <p:sp>
+        <p:nvSpPr>
+          <p:cNvPr id="22" name="矩形: 圓角 21">
+            <a:extLst>
+              <a:ext uri="{FF2B5EF4-FFF2-40B4-BE49-F238E27FC236}">
+                <a16:creationId xmlns:a16="http://schemas.microsoft.com/office/drawing/2014/main" id="{95F5FADA-0B76-43F5-9C3A-FFC70339B7B8}"/>
+              </a:ext>
+            </a:extLst>
+          </p:cNvPr>
+          <p:cNvSpPr/>
+          <p:nvPr/>
+        </p:nvSpPr>
+        <p:spPr>
+          <a:xfrm>
+            <a:off x="2393695" y="5380233"/>
+            <a:ext cx="2305986" cy="369332"/>
+          </a:xfrm>
+          <a:prstGeom prst="roundRect">
+            <a:avLst/>
+          </a:prstGeom>
+          <a:solidFill>
+            <a:schemeClr val="bg1"/>
+          </a:solidFill>
+          <a:ln>
+            <a:noFill/>
+          </a:ln>
+        </p:spPr>
+        <p:style>
+          <a:lnRef idx="2">
+            <a:schemeClr val="accent1">
+              <a:shade val="50000"/>
+            </a:schemeClr>
+          </a:lnRef>
+          <a:fillRef idx="1">
+            <a:schemeClr val="accent1"/>
+          </a:fillRef>
+          <a:effectRef idx="0">
+            <a:schemeClr val="accent1"/>
+          </a:effectRef>
+          <a:fontRef idx="minor">
+            <a:schemeClr val="lt1"/>
+          </a:fontRef>
+        </p:style>
+        <p:txBody>
+          <a:bodyPr rtlCol="0" anchor="ctr"/>
+          <a:lstStyle/>
+          <a:p>
+            <a:pPr algn="ctr"/>
+            <a:r>
+              <a:rPr lang="en-US" altLang="zh-TW" dirty="0">
+                <a:solidFill>
+                  <a:schemeClr val="tx1"/>
+                </a:solidFill>
+              </a:rPr>
+              <a:t>2021-08-20-1.txt</a:t>
+            </a:r>
+            <a:endParaRPr lang="zh-TW" altLang="en-US" dirty="0">
+              <a:solidFill>
+                <a:schemeClr val="tx1"/>
+              </a:solidFill>
+            </a:endParaRPr>
+          </a:p>
+        </p:txBody>
+      </p:sp>
+      <p:sp>
+        <p:nvSpPr>
+          <p:cNvPr id="23" name="矩形: 圓角 22">
+            <a:extLst>
+              <a:ext uri="{FF2B5EF4-FFF2-40B4-BE49-F238E27FC236}">
+                <a16:creationId xmlns:a16="http://schemas.microsoft.com/office/drawing/2014/main" id="{2D321E97-D48D-4E5D-9BD8-4A78C9B02A63}"/>
+              </a:ext>
+            </a:extLst>
+          </p:cNvPr>
+          <p:cNvSpPr/>
+          <p:nvPr/>
+        </p:nvSpPr>
+        <p:spPr>
+          <a:xfrm>
+            <a:off x="2393695" y="5658227"/>
+            <a:ext cx="2305986" cy="369332"/>
+          </a:xfrm>
+          <a:prstGeom prst="roundRect">
+            <a:avLst/>
+          </a:prstGeom>
+          <a:solidFill>
+            <a:schemeClr val="bg1"/>
+          </a:solidFill>
+          <a:ln>
+            <a:noFill/>
+          </a:ln>
+        </p:spPr>
+        <p:style>
+          <a:lnRef idx="2">
+            <a:schemeClr val="accent1">
+              <a:shade val="50000"/>
+            </a:schemeClr>
+          </a:lnRef>
+          <a:fillRef idx="1">
+            <a:schemeClr val="accent1"/>
+          </a:fillRef>
+          <a:effectRef idx="0">
+            <a:schemeClr val="accent1"/>
+          </a:effectRef>
+          <a:fontRef idx="minor">
+            <a:schemeClr val="lt1"/>
+          </a:fontRef>
+        </p:style>
+        <p:txBody>
+          <a:bodyPr rtlCol="0" anchor="ctr"/>
+          <a:lstStyle/>
+          <a:p>
+            <a:pPr algn="ctr"/>
+            <a:r>
+              <a:rPr lang="en-US" altLang="zh-TW" dirty="0">
+                <a:solidFill>
+                  <a:schemeClr val="tx1"/>
+                </a:solidFill>
+              </a:rPr>
+              <a:t>2021-08-20-2.txt</a:t>
+            </a:r>
+            <a:endParaRPr lang="zh-TW" altLang="en-US" dirty="0">
+              <a:solidFill>
+                <a:schemeClr val="tx1"/>
+              </a:solidFill>
+            </a:endParaRPr>
+          </a:p>
+        </p:txBody>
+      </p:sp>
+      <p:sp>
+        <p:nvSpPr>
+          <p:cNvPr id="11" name="文字方塊 10">
+            <a:extLst>
+              <a:ext uri="{FF2B5EF4-FFF2-40B4-BE49-F238E27FC236}">
+                <a16:creationId xmlns:a16="http://schemas.microsoft.com/office/drawing/2014/main" id="{4BAD6AE4-EBE8-4993-ACBC-78BC3281D29A}"/>
               </a:ext>
             </a:extLst>
           </p:cNvPr>
@@ -3820,8 +5038,8 @@
         </p:nvSpPr>
         <p:spPr>
           <a:xfrm>
-            <a:off x="9277165" y="4468596"/>
-            <a:ext cx="1756186" cy="2031325"/>
+            <a:off x="3424347" y="4813828"/>
+            <a:ext cx="461665" cy="323165"/>
           </a:xfrm>
           <a:prstGeom prst="rect">
             <a:avLst/>
@@ -3829,63 +5047,25 @@
           <a:noFill/>
         </p:spPr>
         <p:txBody>
-          <a:bodyPr wrap="none" rtlCol="0">
+          <a:bodyPr vert="eaVert" wrap="none" rtlCol="0">
             <a:spAutoFit/>
           </a:bodyPr>
           <a:lstStyle/>
           <a:p>
             <a:r>
               <a:rPr lang="en-US" altLang="zh-TW" dirty="0"/>
-              <a:t>2021-08-19-3.txt</a:t>
-            </a:r>
-          </a:p>
-          <a:p>
-            <a:r>
-              <a:rPr lang="en-US" altLang="zh-TW" dirty="0"/>
-              <a:t>.</a:t>
-            </a:r>
-          </a:p>
-          <a:p>
-            <a:r>
-              <a:rPr lang="en-US" altLang="zh-TW" dirty="0"/>
-              <a:t>.</a:t>
-            </a:r>
-          </a:p>
-          <a:p>
-            <a:r>
-              <a:rPr lang="en-US" altLang="zh-TW" dirty="0"/>
-              <a:t>2021-08-20-1.txt</a:t>
+              <a:t>…</a:t>
             </a:r>
             <a:endParaRPr lang="zh-TW" altLang="en-US" dirty="0"/>
           </a:p>
-          <a:p>
-            <a:r>
-              <a:rPr lang="en-US" altLang="zh-TW" dirty="0"/>
-              <a:t>2021-08-20-2.txt</a:t>
-            </a:r>
-            <a:endParaRPr lang="zh-TW" altLang="en-US" dirty="0"/>
-          </a:p>
-          <a:p>
-            <a:r>
-              <a:rPr lang="en-US" altLang="zh-TW" dirty="0"/>
-              <a:t>.</a:t>
-            </a:r>
-          </a:p>
-          <a:p>
-            <a:r>
-              <a:rPr lang="en-US" altLang="zh-TW" dirty="0"/>
-              <a:t>.</a:t>
-            </a:r>
-            <a:endParaRPr lang="zh-TW" altLang="en-US" dirty="0"/>
-          </a:p>
-        </p:txBody>
-      </p:sp>
-      <p:sp>
-        <p:nvSpPr>
-          <p:cNvPr id="15" name="文字方塊 14">
-            <a:extLst>
-              <a:ext uri="{FF2B5EF4-FFF2-40B4-BE49-F238E27FC236}">
-                <a16:creationId xmlns:a16="http://schemas.microsoft.com/office/drawing/2014/main" id="{3C528E1C-391D-46F3-ACE2-261FACA0899C}"/>
+        </p:txBody>
+      </p:sp>
+      <p:sp>
+        <p:nvSpPr>
+          <p:cNvPr id="24" name="文字方塊 23">
+            <a:extLst>
+              <a:ext uri="{FF2B5EF4-FFF2-40B4-BE49-F238E27FC236}">
+                <a16:creationId xmlns:a16="http://schemas.microsoft.com/office/drawing/2014/main" id="{0F8CED4A-3775-49DA-8B5E-B436B48DF2AE}"/>
               </a:ext>
             </a:extLst>
           </p:cNvPr>
@@ -3894,8 +5074,8 @@
         </p:nvSpPr>
         <p:spPr>
           <a:xfrm>
-            <a:off x="701336" y="3404586"/>
-            <a:ext cx="5792035" cy="646331"/>
+            <a:off x="171408" y="3981524"/>
+            <a:ext cx="2509040" cy="1384995"/>
           </a:xfrm>
           <a:prstGeom prst="rect">
             <a:avLst/>
@@ -3903,58 +5083,392 @@
           <a:noFill/>
         </p:spPr>
         <p:txBody>
-          <a:bodyPr wrap="none" rtlCol="0">
+          <a:bodyPr wrap="square" rtlCol="0">
             <a:spAutoFit/>
           </a:bodyPr>
           <a:lstStyle/>
           <a:p>
             <a:r>
-              <a:rPr lang="en-US" altLang="zh-TW" dirty="0"/>
-              <a:t>2. </a:t>
-            </a:r>
-            <a:r>
-              <a:rPr lang="zh-TW" altLang="en-US" dirty="0"/>
-              <a:t>每一個</a:t>
-            </a:r>
-            <a:r>
-              <a:rPr lang="en-US" altLang="zh-TW" dirty="0"/>
-              <a:t>txt</a:t>
-            </a:r>
-            <a:r>
-              <a:rPr lang="zh-TW" altLang="en-US" dirty="0"/>
-              <a:t>檔案裡最大資料數</a:t>
-            </a:r>
-            <a:r>
-              <a:rPr lang="en-US" altLang="zh-TW" dirty="0"/>
-              <a:t>1048576(excel</a:t>
-            </a:r>
-            <a:r>
-              <a:rPr lang="zh-TW" altLang="en-US" dirty="0"/>
-              <a:t>最大列數</a:t>
-            </a:r>
-            <a:r>
-              <a:rPr lang="en-US" altLang="zh-TW" dirty="0"/>
+              <a:rPr lang="zh-TW" altLang="en-US" sz="1400" dirty="0"/>
+              <a:t>依照每天日其自動產生如右格式資料，每筆資料暫定最多</a:t>
+            </a:r>
+            <a:r>
+              <a:rPr lang="en-US" altLang="zh-TW" sz="1400" dirty="0"/>
+              <a:t>2^20</a:t>
+            </a:r>
+            <a:r>
+              <a:rPr lang="zh-TW" altLang="en-US" sz="1400" dirty="0"/>
+              <a:t> </a:t>
+            </a:r>
+            <a:r>
+              <a:rPr lang="en-US" altLang="zh-TW" sz="1400" dirty="0"/>
+              <a:t>=</a:t>
+            </a:r>
+            <a:r>
+              <a:rPr lang="zh-TW" altLang="en-US" sz="1400" dirty="0"/>
+              <a:t> </a:t>
+            </a:r>
+            <a:r>
+              <a:rPr lang="en-US" altLang="zh-TW" sz="1400" dirty="0"/>
+              <a:t>1048576</a:t>
+            </a:r>
+            <a:r>
+              <a:rPr lang="zh-TW" altLang="en-US" sz="1400" dirty="0"/>
+              <a:t>列</a:t>
+            </a:r>
+            <a:r>
+              <a:rPr lang="en-US" altLang="zh-TW" sz="1400" dirty="0"/>
+              <a:t>(excel</a:t>
+            </a:r>
+            <a:r>
+              <a:rPr lang="zh-TW" altLang="en-US" sz="1400" dirty="0"/>
+              <a:t>支援最大列數</a:t>
+            </a:r>
+            <a:r>
+              <a:rPr lang="en-US" altLang="zh-TW" sz="1400" dirty="0"/>
               <a:t>)</a:t>
             </a:r>
             <a:r>
-              <a:rPr lang="zh-TW" altLang="en-US" dirty="0"/>
-              <a:t>，</a:t>
-            </a:r>
-            <a:endParaRPr lang="en-US" altLang="zh-TW" dirty="0"/>
-          </a:p>
-          <a:p>
-            <a:r>
-              <a:rPr lang="en-US" altLang="zh-TW" dirty="0"/>
-              <a:t>100Hz update rate = 10485s </a:t>
-            </a:r>
-            <a:endParaRPr lang="zh-TW" altLang="en-US" dirty="0"/>
-          </a:p>
-        </p:txBody>
-      </p:sp>
+              <a:rPr lang="zh-TW" altLang="en-US" sz="1400" dirty="0"/>
+              <a:t>，如以</a:t>
+            </a:r>
+            <a:r>
+              <a:rPr lang="en-US" altLang="zh-TW" sz="1400" dirty="0"/>
+              <a:t>100Hz</a:t>
+            </a:r>
+            <a:r>
+              <a:rPr lang="zh-TW" altLang="en-US" sz="1400" dirty="0"/>
+              <a:t>來存數據對應時間為</a:t>
+            </a:r>
+            <a:r>
+              <a:rPr lang="en-US" altLang="zh-TW" sz="1400" dirty="0"/>
+              <a:t>10486s</a:t>
+            </a:r>
+            <a:r>
+              <a:rPr lang="zh-TW" altLang="en-US" sz="1400" dirty="0"/>
+              <a:t>，一天最多會有</a:t>
+            </a:r>
+            <a:r>
+              <a:rPr lang="en-US" altLang="zh-TW" sz="1400" dirty="0"/>
+              <a:t>8</a:t>
+            </a:r>
+            <a:r>
+              <a:rPr lang="zh-TW" altLang="en-US" sz="1400" dirty="0"/>
+              <a:t>筆資料。</a:t>
+            </a:r>
+          </a:p>
+        </p:txBody>
+      </p:sp>
+      <p:cxnSp>
+        <p:nvCxnSpPr>
+          <p:cNvPr id="26" name="直線單箭頭接點 25">
+            <a:extLst>
+              <a:ext uri="{FF2B5EF4-FFF2-40B4-BE49-F238E27FC236}">
+                <a16:creationId xmlns:a16="http://schemas.microsoft.com/office/drawing/2014/main" id="{96A9B7E8-6728-429D-BC96-50EC5EA594DD}"/>
+              </a:ext>
+            </a:extLst>
+          </p:cNvPr>
+          <p:cNvCxnSpPr>
+            <a:stCxn id="6" idx="2"/>
+            <a:endCxn id="7" idx="0"/>
+          </p:cNvCxnSpPr>
+          <p:nvPr/>
+        </p:nvCxnSpPr>
+        <p:spPr>
+          <a:xfrm flipH="1">
+            <a:off x="5127811" y="2065869"/>
+            <a:ext cx="1743701" cy="327707"/>
+          </a:xfrm>
+          <a:prstGeom prst="straightConnector1">
+            <a:avLst/>
+          </a:prstGeom>
+          <a:ln>
+            <a:tailEnd type="triangle"/>
+          </a:ln>
+        </p:spPr>
+        <p:style>
+          <a:lnRef idx="1">
+            <a:schemeClr val="accent1"/>
+          </a:lnRef>
+          <a:fillRef idx="0">
+            <a:schemeClr val="accent1"/>
+          </a:fillRef>
+          <a:effectRef idx="0">
+            <a:schemeClr val="accent1"/>
+          </a:effectRef>
+          <a:fontRef idx="minor">
+            <a:schemeClr val="tx1"/>
+          </a:fontRef>
+        </p:style>
+      </p:cxnSp>
+      <p:cxnSp>
+        <p:nvCxnSpPr>
+          <p:cNvPr id="28" name="直線單箭頭接點 27">
+            <a:extLst>
+              <a:ext uri="{FF2B5EF4-FFF2-40B4-BE49-F238E27FC236}">
+                <a16:creationId xmlns:a16="http://schemas.microsoft.com/office/drawing/2014/main" id="{663FD3DE-4129-48A8-8055-3055883FAB7A}"/>
+              </a:ext>
+            </a:extLst>
+          </p:cNvPr>
+          <p:cNvCxnSpPr>
+            <a:stCxn id="7" idx="2"/>
+            <a:endCxn id="12" idx="0"/>
+          </p:cNvCxnSpPr>
+          <p:nvPr/>
+        </p:nvCxnSpPr>
+        <p:spPr>
+          <a:xfrm flipH="1">
+            <a:off x="3554754" y="2853996"/>
+            <a:ext cx="1573057" cy="408970"/>
+          </a:xfrm>
+          <a:prstGeom prst="straightConnector1">
+            <a:avLst/>
+          </a:prstGeom>
+          <a:ln>
+            <a:tailEnd type="triangle"/>
+          </a:ln>
+        </p:spPr>
+        <p:style>
+          <a:lnRef idx="1">
+            <a:schemeClr val="accent1"/>
+          </a:lnRef>
+          <a:fillRef idx="0">
+            <a:schemeClr val="accent1"/>
+          </a:fillRef>
+          <a:effectRef idx="0">
+            <a:schemeClr val="accent1"/>
+          </a:effectRef>
+          <a:fontRef idx="minor">
+            <a:schemeClr val="tx1"/>
+          </a:fontRef>
+        </p:style>
+      </p:cxnSp>
+      <p:cxnSp>
+        <p:nvCxnSpPr>
+          <p:cNvPr id="30" name="直線單箭頭接點 29">
+            <a:extLst>
+              <a:ext uri="{FF2B5EF4-FFF2-40B4-BE49-F238E27FC236}">
+                <a16:creationId xmlns:a16="http://schemas.microsoft.com/office/drawing/2014/main" id="{06A5573D-EFCD-4D10-B5B5-A6B57E13C599}"/>
+              </a:ext>
+            </a:extLst>
+          </p:cNvPr>
+          <p:cNvCxnSpPr>
+            <a:stCxn id="7" idx="2"/>
+            <a:endCxn id="14" idx="0"/>
+          </p:cNvCxnSpPr>
+          <p:nvPr/>
+        </p:nvCxnSpPr>
+        <p:spPr>
+          <a:xfrm flipH="1">
+            <a:off x="5045845" y="2853996"/>
+            <a:ext cx="81966" cy="408970"/>
+          </a:xfrm>
+          <a:prstGeom prst="straightConnector1">
+            <a:avLst/>
+          </a:prstGeom>
+          <a:ln>
+            <a:tailEnd type="triangle"/>
+          </a:ln>
+        </p:spPr>
+        <p:style>
+          <a:lnRef idx="1">
+            <a:schemeClr val="accent1"/>
+          </a:lnRef>
+          <a:fillRef idx="0">
+            <a:schemeClr val="accent1"/>
+          </a:fillRef>
+          <a:effectRef idx="0">
+            <a:schemeClr val="accent1"/>
+          </a:effectRef>
+          <a:fontRef idx="minor">
+            <a:schemeClr val="tx1"/>
+          </a:fontRef>
+        </p:style>
+      </p:cxnSp>
+      <p:cxnSp>
+        <p:nvCxnSpPr>
+          <p:cNvPr id="32" name="直線單箭頭接點 31">
+            <a:extLst>
+              <a:ext uri="{FF2B5EF4-FFF2-40B4-BE49-F238E27FC236}">
+                <a16:creationId xmlns:a16="http://schemas.microsoft.com/office/drawing/2014/main" id="{E651202F-51C3-4431-A179-F9F6F1AAD473}"/>
+              </a:ext>
+            </a:extLst>
+          </p:cNvPr>
+          <p:cNvCxnSpPr>
+            <a:stCxn id="7" idx="2"/>
+            <a:endCxn id="15" idx="0"/>
+          </p:cNvCxnSpPr>
+          <p:nvPr/>
+        </p:nvCxnSpPr>
+        <p:spPr>
+          <a:xfrm>
+            <a:off x="5127811" y="2853996"/>
+            <a:ext cx="1575566" cy="408970"/>
+          </a:xfrm>
+          <a:prstGeom prst="straightConnector1">
+            <a:avLst/>
+          </a:prstGeom>
+          <a:ln>
+            <a:tailEnd type="triangle"/>
+          </a:ln>
+        </p:spPr>
+        <p:style>
+          <a:lnRef idx="1">
+            <a:schemeClr val="accent1"/>
+          </a:lnRef>
+          <a:fillRef idx="0">
+            <a:schemeClr val="accent1"/>
+          </a:fillRef>
+          <a:effectRef idx="0">
+            <a:schemeClr val="accent1"/>
+          </a:effectRef>
+          <a:fontRef idx="minor">
+            <a:schemeClr val="tx1"/>
+          </a:fontRef>
+        </p:style>
+      </p:cxnSp>
+      <p:cxnSp>
+        <p:nvCxnSpPr>
+          <p:cNvPr id="34" name="直線單箭頭接點 33">
+            <a:extLst>
+              <a:ext uri="{FF2B5EF4-FFF2-40B4-BE49-F238E27FC236}">
+                <a16:creationId xmlns:a16="http://schemas.microsoft.com/office/drawing/2014/main" id="{3DAD8186-15D5-45D9-BD48-5C2DE63C3C3D}"/>
+              </a:ext>
+            </a:extLst>
+          </p:cNvPr>
+          <p:cNvCxnSpPr>
+            <a:stCxn id="6" idx="2"/>
+            <a:endCxn id="8" idx="0"/>
+          </p:cNvCxnSpPr>
+          <p:nvPr/>
+        </p:nvCxnSpPr>
+        <p:spPr>
+          <a:xfrm>
+            <a:off x="6871512" y="2065869"/>
+            <a:ext cx="2772205" cy="330928"/>
+          </a:xfrm>
+          <a:prstGeom prst="straightConnector1">
+            <a:avLst/>
+          </a:prstGeom>
+          <a:ln>
+            <a:tailEnd type="triangle"/>
+          </a:ln>
+        </p:spPr>
+        <p:style>
+          <a:lnRef idx="1">
+            <a:schemeClr val="accent1"/>
+          </a:lnRef>
+          <a:fillRef idx="0">
+            <a:schemeClr val="accent1"/>
+          </a:fillRef>
+          <a:effectRef idx="0">
+            <a:schemeClr val="accent1"/>
+          </a:effectRef>
+          <a:fontRef idx="minor">
+            <a:schemeClr val="tx1"/>
+          </a:fontRef>
+        </p:style>
+      </p:cxnSp>
+      <p:sp>
+        <p:nvSpPr>
+          <p:cNvPr id="35" name="矩形 34">
+            <a:extLst>
+              <a:ext uri="{FF2B5EF4-FFF2-40B4-BE49-F238E27FC236}">
+                <a16:creationId xmlns:a16="http://schemas.microsoft.com/office/drawing/2014/main" id="{B72B6F57-4660-4780-9C81-261B5669E1D0}"/>
+              </a:ext>
+            </a:extLst>
+          </p:cNvPr>
+          <p:cNvSpPr/>
+          <p:nvPr/>
+        </p:nvSpPr>
+        <p:spPr>
+          <a:xfrm>
+            <a:off x="2680448" y="3887772"/>
+            <a:ext cx="1775011" cy="2459239"/>
+          </a:xfrm>
+          <a:prstGeom prst="rect">
+            <a:avLst/>
+          </a:prstGeom>
+          <a:noFill/>
+          <a:ln>
+            <a:solidFill>
+              <a:schemeClr val="tx1"/>
+            </a:solidFill>
+          </a:ln>
+        </p:spPr>
+        <p:style>
+          <a:lnRef idx="2">
+            <a:schemeClr val="accent1">
+              <a:shade val="50000"/>
+            </a:schemeClr>
+          </a:lnRef>
+          <a:fillRef idx="1">
+            <a:schemeClr val="accent1"/>
+          </a:fillRef>
+          <a:effectRef idx="0">
+            <a:schemeClr val="accent1"/>
+          </a:effectRef>
+          <a:fontRef idx="minor">
+            <a:schemeClr val="lt1"/>
+          </a:fontRef>
+        </p:style>
+        <p:txBody>
+          <a:bodyPr rtlCol="0" anchor="ctr"/>
+          <a:lstStyle/>
+          <a:p>
+            <a:pPr algn="ctr"/>
+            <a:endParaRPr lang="zh-TW" altLang="en-US">
+              <a:noFill/>
+            </a:endParaRPr>
+          </a:p>
+        </p:txBody>
+      </p:sp>
+      <p:cxnSp>
+        <p:nvCxnSpPr>
+          <p:cNvPr id="37" name="直線單箭頭接點 36">
+            <a:extLst>
+              <a:ext uri="{FF2B5EF4-FFF2-40B4-BE49-F238E27FC236}">
+                <a16:creationId xmlns:a16="http://schemas.microsoft.com/office/drawing/2014/main" id="{00D516F9-29FA-4595-A35F-12907DAEF2F0}"/>
+              </a:ext>
+            </a:extLst>
+          </p:cNvPr>
+          <p:cNvCxnSpPr>
+            <a:stCxn id="12" idx="2"/>
+            <a:endCxn id="35" idx="0"/>
+          </p:cNvCxnSpPr>
+          <p:nvPr/>
+        </p:nvCxnSpPr>
+        <p:spPr>
+          <a:xfrm>
+            <a:off x="3554754" y="3723386"/>
+            <a:ext cx="13200" cy="164386"/>
+          </a:xfrm>
+          <a:prstGeom prst="straightConnector1">
+            <a:avLst/>
+          </a:prstGeom>
+          <a:ln>
+            <a:tailEnd type="triangle"/>
+          </a:ln>
+        </p:spPr>
+        <p:style>
+          <a:lnRef idx="1">
+            <a:schemeClr val="accent1"/>
+          </a:lnRef>
+          <a:fillRef idx="0">
+            <a:schemeClr val="accent1"/>
+          </a:fillRef>
+          <a:effectRef idx="0">
+            <a:schemeClr val="accent1"/>
+          </a:effectRef>
+          <a:fontRef idx="minor">
+            <a:schemeClr val="tx1"/>
+          </a:fontRef>
+        </p:style>
+      </p:cxnSp>
     </p:spTree>
     <p:extLst>
       <p:ext uri="{BB962C8B-B14F-4D97-AF65-F5344CB8AC3E}">
-        <p14:creationId xmlns:p14="http://schemas.microsoft.com/office/powerpoint/2010/main" val="465260222"/>
+        <p14:creationId xmlns:p14="http://schemas.microsoft.com/office/powerpoint/2010/main" val="1929817899"/>
       </p:ext>
     </p:extLst>
   </p:cSld>
